--- a/Chapitre_02_Hyperstatisme/Application_03/images/Figures.pptx
+++ b/Chapitre_02_Hyperstatisme/Application_03/images/Figures.pptx
@@ -107,6 +107,11 @@
       </a:defRPr>
     </a:lvl9pPr>
   </p:defaultTextStyle>
+  <p:extLst>
+    <p:ext uri="{EFAFB233-063F-42B5-8137-9DF3F51BA10A}">
+      <p15:sldGuideLst xmlns:p15="http://schemas.microsoft.com/office/powerpoint/2012/main"/>
+    </p:ext>
+  </p:extLst>
 </p:presentation>
 </file>
 
@@ -192,7 +197,7 @@
           <a:p>
             <a:fld id="{4794892A-E6C2-49B5-AA00-84A43200350B}" type="datetimeFigureOut">
               <a:rPr lang="fr-FR" smtClean="0"/>
-              <a:t>31/01/2019</a:t>
+              <a:t>11/02/2019</a:t>
             </a:fld>
             <a:endParaRPr lang="fr-FR"/>
           </a:p>
@@ -690,7 +695,7 @@
           <a:p>
             <a:fld id="{CCDBB05A-5B16-4F54-B970-E39B7959BF8F}" type="datetimeFigureOut">
               <a:rPr lang="fr-FR" smtClean="0"/>
-              <a:t>31/01/2019</a:t>
+              <a:t>11/02/2019</a:t>
             </a:fld>
             <a:endParaRPr lang="fr-FR"/>
           </a:p>
@@ -888,7 +893,7 @@
           <a:p>
             <a:fld id="{CCDBB05A-5B16-4F54-B970-E39B7959BF8F}" type="datetimeFigureOut">
               <a:rPr lang="fr-FR" smtClean="0"/>
-              <a:t>31/01/2019</a:t>
+              <a:t>11/02/2019</a:t>
             </a:fld>
             <a:endParaRPr lang="fr-FR"/>
           </a:p>
@@ -1096,7 +1101,7 @@
           <a:p>
             <a:fld id="{CCDBB05A-5B16-4F54-B970-E39B7959BF8F}" type="datetimeFigureOut">
               <a:rPr lang="fr-FR" smtClean="0"/>
-              <a:t>31/01/2019</a:t>
+              <a:t>11/02/2019</a:t>
             </a:fld>
             <a:endParaRPr lang="fr-FR"/>
           </a:p>
@@ -1294,7 +1299,7 @@
           <a:p>
             <a:fld id="{CCDBB05A-5B16-4F54-B970-E39B7959BF8F}" type="datetimeFigureOut">
               <a:rPr lang="fr-FR" smtClean="0"/>
-              <a:t>31/01/2019</a:t>
+              <a:t>11/02/2019</a:t>
             </a:fld>
             <a:endParaRPr lang="fr-FR"/>
           </a:p>
@@ -1569,7 +1574,7 @@
           <a:p>
             <a:fld id="{CCDBB05A-5B16-4F54-B970-E39B7959BF8F}" type="datetimeFigureOut">
               <a:rPr lang="fr-FR" smtClean="0"/>
-              <a:t>31/01/2019</a:t>
+              <a:t>11/02/2019</a:t>
             </a:fld>
             <a:endParaRPr lang="fr-FR"/>
           </a:p>
@@ -1834,7 +1839,7 @@
           <a:p>
             <a:fld id="{CCDBB05A-5B16-4F54-B970-E39B7959BF8F}" type="datetimeFigureOut">
               <a:rPr lang="fr-FR" smtClean="0"/>
-              <a:t>31/01/2019</a:t>
+              <a:t>11/02/2019</a:t>
             </a:fld>
             <a:endParaRPr lang="fr-FR"/>
           </a:p>
@@ -2246,7 +2251,7 @@
           <a:p>
             <a:fld id="{CCDBB05A-5B16-4F54-B970-E39B7959BF8F}" type="datetimeFigureOut">
               <a:rPr lang="fr-FR" smtClean="0"/>
-              <a:t>31/01/2019</a:t>
+              <a:t>11/02/2019</a:t>
             </a:fld>
             <a:endParaRPr lang="fr-FR"/>
           </a:p>
@@ -2387,7 +2392,7 @@
           <a:p>
             <a:fld id="{CCDBB05A-5B16-4F54-B970-E39B7959BF8F}" type="datetimeFigureOut">
               <a:rPr lang="fr-FR" smtClean="0"/>
-              <a:t>31/01/2019</a:t>
+              <a:t>11/02/2019</a:t>
             </a:fld>
             <a:endParaRPr lang="fr-FR"/>
           </a:p>
@@ -2500,7 +2505,7 @@
           <a:p>
             <a:fld id="{CCDBB05A-5B16-4F54-B970-E39B7959BF8F}" type="datetimeFigureOut">
               <a:rPr lang="fr-FR" smtClean="0"/>
-              <a:t>31/01/2019</a:t>
+              <a:t>11/02/2019</a:t>
             </a:fld>
             <a:endParaRPr lang="fr-FR"/>
           </a:p>
@@ -2811,7 +2816,7 @@
           <a:p>
             <a:fld id="{CCDBB05A-5B16-4F54-B970-E39B7959BF8F}" type="datetimeFigureOut">
               <a:rPr lang="fr-FR" smtClean="0"/>
-              <a:t>31/01/2019</a:t>
+              <a:t>11/02/2019</a:t>
             </a:fld>
             <a:endParaRPr lang="fr-FR"/>
           </a:p>
@@ -3099,7 +3104,7 @@
           <a:p>
             <a:fld id="{CCDBB05A-5B16-4F54-B970-E39B7959BF8F}" type="datetimeFigureOut">
               <a:rPr lang="fr-FR" smtClean="0"/>
-              <a:t>31/01/2019</a:t>
+              <a:t>11/02/2019</a:t>
             </a:fld>
             <a:endParaRPr lang="fr-FR"/>
           </a:p>
@@ -3340,7 +3345,7 @@
           <a:p>
             <a:fld id="{CCDBB05A-5B16-4F54-B970-E39B7959BF8F}" type="datetimeFigureOut">
               <a:rPr lang="fr-FR" smtClean="0"/>
-              <a:t>31/01/2019</a:t>
+              <a:t>11/02/2019</a:t>
             </a:fld>
             <a:endParaRPr lang="fr-FR"/>
           </a:p>
@@ -4015,7 +4020,7 @@
           <a:graphicData uri="http://schemas.openxmlformats.org/presentationml/2006/ole">
             <mc:AlternateContent xmlns:mc="http://schemas.openxmlformats.org/markup-compatibility/2006">
               <mc:Choice xmlns:v="urn:schemas-microsoft-com:vml" Requires="v">
-                <p:oleObj spid="_x0000_s1031" r:id="rId4" imgW="3649572" imgH="2925921" progId="Visio.Drawing.11">
+                <p:oleObj spid="_x0000_s1032" r:id="rId4" imgW="3649572" imgH="2925921" progId="Visio.Drawing.11">
                   <p:embed/>
                 </p:oleObj>
               </mc:Choice>
@@ -6629,8 +6634,8 @@
           </a:fontRef>
         </p:style>
       </p:cxnSp>
-      <mc:AlternateContent xmlns:mc="http://schemas.openxmlformats.org/markup-compatibility/2006">
-        <mc:Choice xmlns:a14="http://schemas.microsoft.com/office/drawing/2010/main" Requires="a14">
+      <mc:AlternateContent xmlns:mc="http://schemas.openxmlformats.org/markup-compatibility/2006" xmlns:a14="http://schemas.microsoft.com/office/drawing/2010/main">
+        <mc:Choice Requires="a14">
           <p:sp>
             <p:nvSpPr>
               <p:cNvPr id="106" name="ZoneTexte 105">
@@ -6659,6 +6664,7 @@
               </a:bodyPr>
               <a:lstStyle/>
               <a:p>
+                <a:pPr/>
                 <a14:m>
                   <m:oMathPara xmlns:m="http://schemas.openxmlformats.org/officeDocument/2006/math">
                     <m:oMathParaPr>
@@ -6691,7 +6697,7 @@
             </p:txBody>
           </p:sp>
         </mc:Choice>
-        <mc:Fallback>
+        <mc:Fallback xmlns="">
           <p:sp>
             <p:nvSpPr>
               <p:cNvPr id="106" name="ZoneTexte 105">
@@ -6736,8 +6742,8 @@
           </p:sp>
         </mc:Fallback>
       </mc:AlternateContent>
-      <mc:AlternateContent xmlns:mc="http://schemas.openxmlformats.org/markup-compatibility/2006">
-        <mc:Choice xmlns:a14="http://schemas.microsoft.com/office/drawing/2010/main" Requires="a14">
+      <mc:AlternateContent xmlns:mc="http://schemas.openxmlformats.org/markup-compatibility/2006" xmlns:a14="http://schemas.microsoft.com/office/drawing/2010/main">
+        <mc:Choice Requires="a14">
           <p:sp>
             <p:nvSpPr>
               <p:cNvPr id="107" name="ZoneTexte 106">
@@ -6766,6 +6772,7 @@
               </a:bodyPr>
               <a:lstStyle/>
               <a:p>
+                <a:pPr/>
                 <a14:m>
                   <m:oMathPara xmlns:m="http://schemas.openxmlformats.org/officeDocument/2006/math">
                     <m:oMathParaPr>
@@ -6798,7 +6805,7 @@
             </p:txBody>
           </p:sp>
         </mc:Choice>
-        <mc:Fallback>
+        <mc:Fallback xmlns="">
           <p:sp>
             <p:nvSpPr>
               <p:cNvPr id="107" name="ZoneTexte 106">
@@ -7330,8 +7337,8 @@
           </a:fontRef>
         </p:style>
       </p:cxnSp>
-      <mc:AlternateContent xmlns:mc="http://schemas.openxmlformats.org/markup-compatibility/2006">
-        <mc:Choice xmlns:a14="http://schemas.microsoft.com/office/drawing/2010/main" Requires="a14">
+      <mc:AlternateContent xmlns:mc="http://schemas.openxmlformats.org/markup-compatibility/2006" xmlns:a14="http://schemas.microsoft.com/office/drawing/2010/main">
+        <mc:Choice Requires="a14">
           <p:sp>
             <p:nvSpPr>
               <p:cNvPr id="128" name="ZoneTexte 127">
@@ -7360,6 +7367,7 @@
               </a:bodyPr>
               <a:lstStyle/>
               <a:p>
+                <a:pPr/>
                 <a14:m>
                   <m:oMathPara xmlns:m="http://schemas.openxmlformats.org/officeDocument/2006/math">
                     <m:oMathParaPr>
@@ -7380,7 +7388,7 @@
             </p:txBody>
           </p:sp>
         </mc:Choice>
-        <mc:Fallback>
+        <mc:Fallback xmlns="">
           <p:sp>
             <p:nvSpPr>
               <p:cNvPr id="128" name="ZoneTexte 127">
@@ -7442,7 +7450,7 @@
             <p:spPr>
               <a:xfrm>
                 <a:off x="3363185" y="749496"/>
-                <a:ext cx="116762" cy="161583"/>
+                <a:ext cx="122213" cy="161583"/>
               </a:xfrm>
               <a:prstGeom prst="rect">
                 <a:avLst/>
@@ -7455,6 +7463,7 @@
               </a:bodyPr>
               <a:lstStyle/>
               <a:p>
+                <a:pPr/>
                 <a14:m>
                   <m:oMathPara xmlns:m="http://schemas.openxmlformats.org/officeDocument/2006/math">
                     <m:oMathParaPr>
@@ -7465,7 +7474,7 @@
                         <a:rPr lang="fr-FR" sz="1050" b="0" i="1" smtClean="0">
                           <a:latin typeface="Cambria Math" panose="02040503050406030204" pitchFamily="18" charset="0"/>
                         </a:rPr>
-                        <m:t>𝐴</m:t>
+                        <m:t>𝐵</m:t>
                       </m:r>
                     </m:oMath>
                   </m:oMathPara>
@@ -7493,15 +7502,15 @@
             <p:spPr>
               <a:xfrm>
                 <a:off x="3363185" y="749496"/>
-                <a:ext cx="116762" cy="161583"/>
+                <a:ext cx="122213" cy="161583"/>
               </a:xfrm>
               <a:prstGeom prst="rect">
                 <a:avLst/>
               </a:prstGeom>
               <a:blipFill>
-                <a:blip r:embed="rId8"/>
+                <a:blip r:embed="rId9"/>
                 <a:stretch>
-                  <a:fillRect l="-31579" r="-26316" b="-11538"/>
+                  <a:fillRect l="-30000" r="-20000" b="-11538"/>
                 </a:stretch>
               </a:blipFill>
             </p:spPr>
@@ -7520,8 +7529,8 @@
           </p:sp>
         </mc:Fallback>
       </mc:AlternateContent>
-      <mc:AlternateContent xmlns:mc="http://schemas.openxmlformats.org/markup-compatibility/2006">
-        <mc:Choice xmlns:a14="http://schemas.microsoft.com/office/drawing/2010/main" Requires="a14">
+      <mc:AlternateContent xmlns:mc="http://schemas.openxmlformats.org/markup-compatibility/2006" xmlns:a14="http://schemas.microsoft.com/office/drawing/2010/main">
+        <mc:Choice Requires="a14">
           <p:sp>
             <p:nvSpPr>
               <p:cNvPr id="130" name="ZoneTexte 129">
@@ -7550,6 +7559,7 @@
               </a:bodyPr>
               <a:lstStyle/>
               <a:p>
+                <a:pPr/>
                 <a14:m>
                   <m:oMathPara xmlns:m="http://schemas.openxmlformats.org/officeDocument/2006/math">
                     <m:oMathParaPr>
@@ -7570,7 +7580,7 @@
             </p:txBody>
           </p:sp>
         </mc:Choice>
-        <mc:Fallback>
+        <mc:Fallback xmlns="">
           <p:sp>
             <p:nvSpPr>
               <p:cNvPr id="130" name="ZoneTexte 129">
@@ -7594,7 +7604,7 @@
                 <a:avLst/>
               </a:prstGeom>
               <a:blipFill>
-                <a:blip r:embed="rId9"/>
+                <a:blip r:embed="rId10"/>
                 <a:stretch>
                   <a:fillRect l="-26316" r="-26316" b="-11538"/>
                 </a:stretch>
@@ -7615,8 +7625,8 @@
           </p:sp>
         </mc:Fallback>
       </mc:AlternateContent>
-      <mc:AlternateContent xmlns:mc="http://schemas.openxmlformats.org/markup-compatibility/2006">
-        <mc:Choice xmlns:a14="http://schemas.microsoft.com/office/drawing/2010/main" Requires="a14">
+      <mc:AlternateContent xmlns:mc="http://schemas.openxmlformats.org/markup-compatibility/2006" xmlns:a14="http://schemas.microsoft.com/office/drawing/2010/main">
+        <mc:Choice Requires="a14">
           <p:sp>
             <p:nvSpPr>
               <p:cNvPr id="131" name="ZoneTexte 130">
@@ -7645,6 +7655,7 @@
               </a:bodyPr>
               <a:lstStyle/>
               <a:p>
+                <a:pPr/>
                 <a14:m>
                   <m:oMathPara xmlns:m="http://schemas.openxmlformats.org/officeDocument/2006/math">
                     <m:oMathParaPr>
@@ -7665,7 +7676,7 @@
             </p:txBody>
           </p:sp>
         </mc:Choice>
-        <mc:Fallback>
+        <mc:Fallback xmlns="">
           <p:sp>
             <p:nvSpPr>
               <p:cNvPr id="131" name="ZoneTexte 130">
@@ -7689,7 +7700,7 @@
                 <a:avLst/>
               </a:prstGeom>
               <a:blipFill>
-                <a:blip r:embed="rId10"/>
+                <a:blip r:embed="rId11"/>
                 <a:stretch>
                   <a:fillRect l="-23810" r="-23810" b="-7407"/>
                 </a:stretch>

--- a/Chapitre_02_Hyperstatisme/Application_03/images/Figures.pptx
+++ b/Chapitre_02_Hyperstatisme/Application_03/images/Figures.pptx
@@ -5,10 +5,11 @@
     <p:sldMasterId id="2147483648" r:id="rId1"/>
   </p:sldMasterIdLst>
   <p:notesMasterIdLst>
-    <p:notesMasterId r:id="rId3"/>
+    <p:notesMasterId r:id="rId4"/>
   </p:notesMasterIdLst>
   <p:sldIdLst>
     <p:sldId id="256" r:id="rId2"/>
+    <p:sldId id="257" r:id="rId3"/>
   </p:sldIdLst>
   <p:sldSz cx="12192000" cy="6858000"/>
   <p:notesSz cx="6858000" cy="9144000"/>
@@ -197,7 +198,7 @@
           <a:p>
             <a:fld id="{4794892A-E6C2-49B5-AA00-84A43200350B}" type="datetimeFigureOut">
               <a:rPr lang="fr-FR" smtClean="0"/>
-              <a:t>11/02/2019</a:t>
+              <a:t>12/02/2019</a:t>
             </a:fld>
             <a:endParaRPr lang="fr-FR"/>
           </a:p>
@@ -695,7 +696,7 @@
           <a:p>
             <a:fld id="{CCDBB05A-5B16-4F54-B970-E39B7959BF8F}" type="datetimeFigureOut">
               <a:rPr lang="fr-FR" smtClean="0"/>
-              <a:t>11/02/2019</a:t>
+              <a:t>12/02/2019</a:t>
             </a:fld>
             <a:endParaRPr lang="fr-FR"/>
           </a:p>
@@ -893,7 +894,7 @@
           <a:p>
             <a:fld id="{CCDBB05A-5B16-4F54-B970-E39B7959BF8F}" type="datetimeFigureOut">
               <a:rPr lang="fr-FR" smtClean="0"/>
-              <a:t>11/02/2019</a:t>
+              <a:t>12/02/2019</a:t>
             </a:fld>
             <a:endParaRPr lang="fr-FR"/>
           </a:p>
@@ -1101,7 +1102,7 @@
           <a:p>
             <a:fld id="{CCDBB05A-5B16-4F54-B970-E39B7959BF8F}" type="datetimeFigureOut">
               <a:rPr lang="fr-FR" smtClean="0"/>
-              <a:t>11/02/2019</a:t>
+              <a:t>12/02/2019</a:t>
             </a:fld>
             <a:endParaRPr lang="fr-FR"/>
           </a:p>
@@ -1299,7 +1300,7 @@
           <a:p>
             <a:fld id="{CCDBB05A-5B16-4F54-B970-E39B7959BF8F}" type="datetimeFigureOut">
               <a:rPr lang="fr-FR" smtClean="0"/>
-              <a:t>11/02/2019</a:t>
+              <a:t>12/02/2019</a:t>
             </a:fld>
             <a:endParaRPr lang="fr-FR"/>
           </a:p>
@@ -1574,7 +1575,7 @@
           <a:p>
             <a:fld id="{CCDBB05A-5B16-4F54-B970-E39B7959BF8F}" type="datetimeFigureOut">
               <a:rPr lang="fr-FR" smtClean="0"/>
-              <a:t>11/02/2019</a:t>
+              <a:t>12/02/2019</a:t>
             </a:fld>
             <a:endParaRPr lang="fr-FR"/>
           </a:p>
@@ -1839,7 +1840,7 @@
           <a:p>
             <a:fld id="{CCDBB05A-5B16-4F54-B970-E39B7959BF8F}" type="datetimeFigureOut">
               <a:rPr lang="fr-FR" smtClean="0"/>
-              <a:t>11/02/2019</a:t>
+              <a:t>12/02/2019</a:t>
             </a:fld>
             <a:endParaRPr lang="fr-FR"/>
           </a:p>
@@ -2251,7 +2252,7 @@
           <a:p>
             <a:fld id="{CCDBB05A-5B16-4F54-B970-E39B7959BF8F}" type="datetimeFigureOut">
               <a:rPr lang="fr-FR" smtClean="0"/>
-              <a:t>11/02/2019</a:t>
+              <a:t>12/02/2019</a:t>
             </a:fld>
             <a:endParaRPr lang="fr-FR"/>
           </a:p>
@@ -2392,7 +2393,7 @@
           <a:p>
             <a:fld id="{CCDBB05A-5B16-4F54-B970-E39B7959BF8F}" type="datetimeFigureOut">
               <a:rPr lang="fr-FR" smtClean="0"/>
-              <a:t>11/02/2019</a:t>
+              <a:t>12/02/2019</a:t>
             </a:fld>
             <a:endParaRPr lang="fr-FR"/>
           </a:p>
@@ -2505,7 +2506,7 @@
           <a:p>
             <a:fld id="{CCDBB05A-5B16-4F54-B970-E39B7959BF8F}" type="datetimeFigureOut">
               <a:rPr lang="fr-FR" smtClean="0"/>
-              <a:t>11/02/2019</a:t>
+              <a:t>12/02/2019</a:t>
             </a:fld>
             <a:endParaRPr lang="fr-FR"/>
           </a:p>
@@ -2816,7 +2817,7 @@
           <a:p>
             <a:fld id="{CCDBB05A-5B16-4F54-B970-E39B7959BF8F}" type="datetimeFigureOut">
               <a:rPr lang="fr-FR" smtClean="0"/>
-              <a:t>11/02/2019</a:t>
+              <a:t>12/02/2019</a:t>
             </a:fld>
             <a:endParaRPr lang="fr-FR"/>
           </a:p>
@@ -3104,7 +3105,7 @@
           <a:p>
             <a:fld id="{CCDBB05A-5B16-4F54-B970-E39B7959BF8F}" type="datetimeFigureOut">
               <a:rPr lang="fr-FR" smtClean="0"/>
-              <a:t>11/02/2019</a:t>
+              <a:t>12/02/2019</a:t>
             </a:fld>
             <a:endParaRPr lang="fr-FR"/>
           </a:p>
@@ -3345,7 +3346,7 @@
           <a:p>
             <a:fld id="{CCDBB05A-5B16-4F54-B970-E39B7959BF8F}" type="datetimeFigureOut">
               <a:rPr lang="fr-FR" smtClean="0"/>
-              <a:t>11/02/2019</a:t>
+              <a:t>12/02/2019</a:t>
             </a:fld>
             <a:endParaRPr lang="fr-FR"/>
           </a:p>
@@ -4020,7 +4021,7 @@
           <a:graphicData uri="http://schemas.openxmlformats.org/presentationml/2006/ole">
             <mc:AlternateContent xmlns:mc="http://schemas.openxmlformats.org/markup-compatibility/2006">
               <mc:Choice xmlns:v="urn:schemas-microsoft-com:vml" Requires="v">
-                <p:oleObj spid="_x0000_s1032" r:id="rId4" imgW="3649572" imgH="2925921" progId="Visio.Drawing.11">
+                <p:oleObj spid="_x0000_s1034" r:id="rId4" imgW="3649572" imgH="2925921" progId="Visio.Drawing.11">
                   <p:embed/>
                 </p:oleObj>
               </mc:Choice>
@@ -7433,8 +7434,8 @@
           </p:sp>
         </mc:Fallback>
       </mc:AlternateContent>
-      <mc:AlternateContent xmlns:mc="http://schemas.openxmlformats.org/markup-compatibility/2006">
-        <mc:Choice xmlns:a14="http://schemas.microsoft.com/office/drawing/2010/main" Requires="a14">
+      <mc:AlternateContent xmlns:mc="http://schemas.openxmlformats.org/markup-compatibility/2006" xmlns:a14="http://schemas.microsoft.com/office/drawing/2010/main">
+        <mc:Choice Requires="a14">
           <p:sp>
             <p:nvSpPr>
               <p:cNvPr id="129" name="ZoneTexte 128">
@@ -7484,7 +7485,7 @@
             </p:txBody>
           </p:sp>
         </mc:Choice>
-        <mc:Fallback>
+        <mc:Fallback xmlns="">
           <p:sp>
             <p:nvSpPr>
               <p:cNvPr id="129" name="ZoneTexte 128">
@@ -7725,6 +7726,1357 @@
     <p:extLst>
       <p:ext uri="{BB962C8B-B14F-4D97-AF65-F5344CB8AC3E}">
         <p14:creationId xmlns:p14="http://schemas.microsoft.com/office/powerpoint/2010/main" val="3481653230"/>
+      </p:ext>
+    </p:extLst>
+  </p:cSld>
+  <p:clrMapOvr>
+    <a:masterClrMapping/>
+  </p:clrMapOvr>
+</p:sld>
+</file>
+
+<file path=ppt/slides/slide2.xml><?xml version="1.0" encoding="utf-8"?>
+<p:sld xmlns:a="http://schemas.openxmlformats.org/drawingml/2006/main" xmlns:r="http://schemas.openxmlformats.org/officeDocument/2006/relationships" xmlns:p="http://schemas.openxmlformats.org/presentationml/2006/main">
+  <p:cSld>
+    <p:spTree>
+      <p:nvGrpSpPr>
+        <p:cNvPr id="1" name=""/>
+        <p:cNvGrpSpPr/>
+        <p:nvPr/>
+      </p:nvGrpSpPr>
+      <p:grpSpPr>
+        <a:xfrm>
+          <a:off x="0" y="0"/>
+          <a:ext cx="0" cy="0"/>
+          <a:chOff x="0" y="0"/>
+          <a:chExt cx="0" cy="0"/>
+        </a:xfrm>
+      </p:grpSpPr>
+      <p:pic>
+        <p:nvPicPr>
+          <p:cNvPr id="5" name="Espace réservé du contenu 4">
+            <a:extLst>
+              <a:ext uri="{FF2B5EF4-FFF2-40B4-BE49-F238E27FC236}">
+                <a16:creationId xmlns:a16="http://schemas.microsoft.com/office/drawing/2014/main" id="{CA181D31-38B0-4900-9E84-4DD02E98976C}"/>
+              </a:ext>
+            </a:extLst>
+          </p:cNvPr>
+          <p:cNvPicPr>
+            <a:picLocks noGrp="1" noChangeAspect="1"/>
+          </p:cNvPicPr>
+          <p:nvPr>
+            <p:ph idx="1"/>
+          </p:nvPr>
+        </p:nvPicPr>
+        <p:blipFill>
+          <a:blip r:embed="rId2">
+            <a:extLst>
+              <a:ext uri="{28A0092B-C50C-407E-A947-70E740481C1C}">
+                <a14:useLocalDpi xmlns:a14="http://schemas.microsoft.com/office/drawing/2010/main" val="0"/>
+              </a:ext>
+            </a:extLst>
+          </a:blip>
+          <a:stretch>
+            <a:fillRect/>
+          </a:stretch>
+        </p:blipFill>
+        <p:spPr>
+          <a:xfrm>
+            <a:off x="3609916" y="3472972"/>
+            <a:ext cx="3240000" cy="2470099"/>
+          </a:xfrm>
+        </p:spPr>
+      </p:pic>
+      <p:pic>
+        <p:nvPicPr>
+          <p:cNvPr id="7" name="Image 6">
+            <a:extLst>
+              <a:ext uri="{FF2B5EF4-FFF2-40B4-BE49-F238E27FC236}">
+                <a16:creationId xmlns:a16="http://schemas.microsoft.com/office/drawing/2014/main" id="{E928E737-E02E-4C0B-AE29-0B69ADF7AE05}"/>
+              </a:ext>
+            </a:extLst>
+          </p:cNvPr>
+          <p:cNvPicPr>
+            <a:picLocks noChangeAspect="1"/>
+          </p:cNvPicPr>
+          <p:nvPr/>
+        </p:nvPicPr>
+        <p:blipFill>
+          <a:blip r:embed="rId3">
+            <a:extLst>
+              <a:ext uri="{28A0092B-C50C-407E-A947-70E740481C1C}">
+                <a14:useLocalDpi xmlns:a14="http://schemas.microsoft.com/office/drawing/2010/main" val="0"/>
+              </a:ext>
+            </a:extLst>
+          </a:blip>
+          <a:stretch>
+            <a:fillRect/>
+          </a:stretch>
+        </p:blipFill>
+        <p:spPr>
+          <a:xfrm>
+            <a:off x="1" y="0"/>
+            <a:ext cx="3240000" cy="2134938"/>
+          </a:xfrm>
+          <a:prstGeom prst="rect">
+            <a:avLst/>
+          </a:prstGeom>
+        </p:spPr>
+      </p:pic>
+      <p:pic>
+        <p:nvPicPr>
+          <p:cNvPr id="9" name="Image 8">
+            <a:extLst>
+              <a:ext uri="{FF2B5EF4-FFF2-40B4-BE49-F238E27FC236}">
+                <a16:creationId xmlns:a16="http://schemas.microsoft.com/office/drawing/2014/main" id="{C9296D6E-EE7E-42D8-A059-1ABFE36E31FC}"/>
+              </a:ext>
+            </a:extLst>
+          </p:cNvPr>
+          <p:cNvPicPr>
+            <a:picLocks noChangeAspect="1"/>
+          </p:cNvPicPr>
+          <p:nvPr/>
+        </p:nvPicPr>
+        <p:blipFill>
+          <a:blip r:embed="rId4">
+            <a:extLst>
+              <a:ext uri="{28A0092B-C50C-407E-A947-70E740481C1C}">
+                <a14:useLocalDpi xmlns:a14="http://schemas.microsoft.com/office/drawing/2010/main" val="0"/>
+              </a:ext>
+            </a:extLst>
+          </a:blip>
+          <a:stretch>
+            <a:fillRect/>
+          </a:stretch>
+        </p:blipFill>
+        <p:spPr>
+          <a:xfrm>
+            <a:off x="3770399" y="0"/>
+            <a:ext cx="3240000" cy="2152942"/>
+          </a:xfrm>
+          <a:prstGeom prst="rect">
+            <a:avLst/>
+          </a:prstGeom>
+        </p:spPr>
+      </p:pic>
+      <p:pic>
+        <p:nvPicPr>
+          <p:cNvPr id="11" name="Image 10">
+            <a:extLst>
+              <a:ext uri="{FF2B5EF4-FFF2-40B4-BE49-F238E27FC236}">
+                <a16:creationId xmlns:a16="http://schemas.microsoft.com/office/drawing/2014/main" id="{2D09E703-0361-4CF1-BE64-0015998AD5A8}"/>
+              </a:ext>
+            </a:extLst>
+          </p:cNvPr>
+          <p:cNvPicPr>
+            <a:picLocks noChangeAspect="1"/>
+          </p:cNvPicPr>
+          <p:nvPr/>
+        </p:nvPicPr>
+        <p:blipFill>
+          <a:blip r:embed="rId5">
+            <a:extLst>
+              <a:ext uri="{28A0092B-C50C-407E-A947-70E740481C1C}">
+                <a14:useLocalDpi xmlns:a14="http://schemas.microsoft.com/office/drawing/2010/main" val="0"/>
+              </a:ext>
+            </a:extLst>
+          </a:blip>
+          <a:stretch>
+            <a:fillRect/>
+          </a:stretch>
+        </p:blipFill>
+        <p:spPr>
+          <a:xfrm>
+            <a:off x="7158" y="3472972"/>
+            <a:ext cx="3240000" cy="2335274"/>
+          </a:xfrm>
+          <a:prstGeom prst="rect">
+            <a:avLst/>
+          </a:prstGeom>
+        </p:spPr>
+      </p:pic>
+      <p:graphicFrame>
+        <p:nvGraphicFramePr>
+          <p:cNvPr id="12" name="Tableau 11">
+            <a:extLst>
+              <a:ext uri="{FF2B5EF4-FFF2-40B4-BE49-F238E27FC236}">
+                <a16:creationId xmlns:a16="http://schemas.microsoft.com/office/drawing/2014/main" id="{1B5F7B50-E6FC-4FED-B892-117F965E264D}"/>
+              </a:ext>
+            </a:extLst>
+          </p:cNvPr>
+          <p:cNvGraphicFramePr>
+            <a:graphicFrameLocks noGrp="1"/>
+          </p:cNvGraphicFramePr>
+          <p:nvPr>
+            <p:extLst>
+              <p:ext uri="{D42A27DB-BD31-4B8C-83A1-F6EECF244321}">
+                <p14:modId xmlns:p14="http://schemas.microsoft.com/office/powerpoint/2010/main" val="2641008351"/>
+              </p:ext>
+            </p:extLst>
+          </p:nvPr>
+        </p:nvGraphicFramePr>
+        <p:xfrm>
+          <a:off x="0" y="2134938"/>
+          <a:ext cx="3159759" cy="1338035"/>
+        </p:xfrm>
+        <a:graphic>
+          <a:graphicData uri="http://schemas.openxmlformats.org/drawingml/2006/table">
+            <a:tbl>
+              <a:tblPr firstRow="1" bandRow="1">
+                <a:tableStyleId>{5C22544A-7EE6-4342-B048-85BDC9FD1C3A}</a:tableStyleId>
+              </a:tblPr>
+              <a:tblGrid>
+                <a:gridCol w="1053253">
+                  <a:extLst>
+                    <a:ext uri="{9D8B030D-6E8A-4147-A177-3AD203B41FA5}">
+                      <a16:colId xmlns:a16="http://schemas.microsoft.com/office/drawing/2014/main" val="1713026572"/>
+                    </a:ext>
+                  </a:extLst>
+                </a:gridCol>
+                <a:gridCol w="1053253">
+                  <a:extLst>
+                    <a:ext uri="{9D8B030D-6E8A-4147-A177-3AD203B41FA5}">
+                      <a16:colId xmlns:a16="http://schemas.microsoft.com/office/drawing/2014/main" val="783736719"/>
+                    </a:ext>
+                  </a:extLst>
+                </a:gridCol>
+                <a:gridCol w="1053253">
+                  <a:extLst>
+                    <a:ext uri="{9D8B030D-6E8A-4147-A177-3AD203B41FA5}">
+                      <a16:colId xmlns:a16="http://schemas.microsoft.com/office/drawing/2014/main" val="1498577565"/>
+                    </a:ext>
+                  </a:extLst>
+                </a:gridCol>
+              </a:tblGrid>
+              <a:tr h="267607">
+                <a:tc>
+                  <a:txBody>
+                    <a:bodyPr/>
+                    <a:lstStyle/>
+                    <a:p>
+                      <a:pPr algn="ctr"/>
+                      <a:endParaRPr lang="fr-FR" sz="1000" b="1" dirty="0"/>
+                    </a:p>
+                  </a:txBody>
+                  <a:tcPr anchor="ctr"/>
+                </a:tc>
+                <a:tc>
+                  <a:txBody>
+                    <a:bodyPr/>
+                    <a:lstStyle/>
+                    <a:p>
+                      <a:pPr algn="ctr"/>
+                      <a:r>
+                        <a:rPr lang="fr-FR" sz="1000" dirty="0"/>
+                        <a:t>Cinématique</a:t>
+                      </a:r>
+                    </a:p>
+                  </a:txBody>
+                  <a:tcPr anchor="ctr"/>
+                </a:tc>
+                <a:tc>
+                  <a:txBody>
+                    <a:bodyPr/>
+                    <a:lstStyle/>
+                    <a:p>
+                      <a:pPr algn="ctr"/>
+                      <a:r>
+                        <a:rPr lang="fr-FR" sz="1000" dirty="0"/>
+                        <a:t>Statique</a:t>
+                      </a:r>
+                    </a:p>
+                  </a:txBody>
+                  <a:tcPr anchor="ctr"/>
+                </a:tc>
+                <a:extLst>
+                  <a:ext uri="{0D108BD9-81ED-4DB2-BD59-A6C34878D82A}">
+                    <a16:rowId xmlns:a16="http://schemas.microsoft.com/office/drawing/2014/main" val="3125524390"/>
+                  </a:ext>
+                </a:extLst>
+              </a:tr>
+              <a:tr h="267607">
+                <a:tc>
+                  <a:txBody>
+                    <a:bodyPr/>
+                    <a:lstStyle/>
+                    <a:p>
+                      <a:r>
+                        <a:rPr lang="fr-FR" sz="1000" b="1" dirty="0"/>
+                        <a:t>Mobilités</a:t>
+                      </a:r>
+                    </a:p>
+                  </a:txBody>
+                  <a:tcPr/>
+                </a:tc>
+                <a:tc>
+                  <a:txBody>
+                    <a:bodyPr/>
+                    <a:lstStyle/>
+                    <a:p>
+                      <a:pPr algn="ctr"/>
+                      <a:r>
+                        <a:rPr lang="fr-FR" sz="1000" dirty="0"/>
+                        <a:t>1</a:t>
+                      </a:r>
+                    </a:p>
+                  </a:txBody>
+                  <a:tcPr/>
+                </a:tc>
+                <a:tc>
+                  <a:txBody>
+                    <a:bodyPr/>
+                    <a:lstStyle/>
+                    <a:p>
+                      <a:pPr algn="ctr"/>
+                      <a:r>
+                        <a:rPr lang="fr-FR" sz="1000" dirty="0"/>
+                        <a:t>1</a:t>
+                      </a:r>
+                    </a:p>
+                  </a:txBody>
+                  <a:tcPr/>
+                </a:tc>
+                <a:extLst>
+                  <a:ext uri="{0D108BD9-81ED-4DB2-BD59-A6C34878D82A}">
+                    <a16:rowId xmlns:a16="http://schemas.microsoft.com/office/drawing/2014/main" val="3552222941"/>
+                  </a:ext>
+                </a:extLst>
+              </a:tr>
+              <a:tr h="267607">
+                <a:tc>
+                  <a:txBody>
+                    <a:bodyPr/>
+                    <a:lstStyle/>
+                    <a:p>
+                      <a:r>
+                        <a:rPr lang="fr-FR" sz="1000" b="1" dirty="0"/>
+                        <a:t>Nb Equations</a:t>
+                      </a:r>
+                    </a:p>
+                  </a:txBody>
+                  <a:tcPr/>
+                </a:tc>
+                <a:tc>
+                  <a:txBody>
+                    <a:bodyPr/>
+                    <a:lstStyle/>
+                    <a:p>
+                      <a:pPr algn="ctr"/>
+                      <a:r>
+                        <a:rPr lang="fr-FR" sz="1000" dirty="0"/>
+                        <a:t>6</a:t>
+                      </a:r>
+                    </a:p>
+                  </a:txBody>
+                  <a:tcPr/>
+                </a:tc>
+                <a:tc>
+                  <a:txBody>
+                    <a:bodyPr/>
+                    <a:lstStyle/>
+                    <a:p>
+                      <a:pPr algn="ctr"/>
+                      <a:r>
+                        <a:rPr lang="fr-FR" sz="1000" dirty="0"/>
+                        <a:t>6</a:t>
+                      </a:r>
+                    </a:p>
+                  </a:txBody>
+                  <a:tcPr/>
+                </a:tc>
+                <a:extLst>
+                  <a:ext uri="{0D108BD9-81ED-4DB2-BD59-A6C34878D82A}">
+                    <a16:rowId xmlns:a16="http://schemas.microsoft.com/office/drawing/2014/main" val="2246487064"/>
+                  </a:ext>
+                </a:extLst>
+              </a:tr>
+              <a:tr h="267607">
+                <a:tc>
+                  <a:txBody>
+                    <a:bodyPr/>
+                    <a:lstStyle/>
+                    <a:p>
+                      <a:r>
+                        <a:rPr lang="fr-FR" sz="1000" b="1" dirty="0"/>
+                        <a:t>Nb Inconnues</a:t>
+                      </a:r>
+                    </a:p>
+                  </a:txBody>
+                  <a:tcPr/>
+                </a:tc>
+                <a:tc>
+                  <a:txBody>
+                    <a:bodyPr/>
+                    <a:lstStyle/>
+                    <a:p>
+                      <a:pPr algn="ctr"/>
+                      <a:r>
+                        <a:rPr lang="fr-FR" sz="1000" dirty="0"/>
+                        <a:t>2+2</a:t>
+                      </a:r>
+                    </a:p>
+                  </a:txBody>
+                  <a:tcPr/>
+                </a:tc>
+                <a:tc>
+                  <a:txBody>
+                    <a:bodyPr/>
+                    <a:lstStyle/>
+                    <a:p>
+                      <a:pPr algn="ctr"/>
+                      <a:r>
+                        <a:rPr lang="fr-FR" sz="1000" dirty="0"/>
+                        <a:t>5+5</a:t>
+                      </a:r>
+                    </a:p>
+                  </a:txBody>
+                  <a:tcPr/>
+                </a:tc>
+                <a:extLst>
+                  <a:ext uri="{0D108BD9-81ED-4DB2-BD59-A6C34878D82A}">
+                    <a16:rowId xmlns:a16="http://schemas.microsoft.com/office/drawing/2014/main" val="147716638"/>
+                  </a:ext>
+                </a:extLst>
+              </a:tr>
+              <a:tr h="267607">
+                <a:tc>
+                  <a:txBody>
+                    <a:bodyPr/>
+                    <a:lstStyle/>
+                    <a:p>
+                      <a:r>
+                        <a:rPr lang="fr-FR" sz="1000" b="1" dirty="0"/>
+                        <a:t>Hyperstatisme</a:t>
+                      </a:r>
+                    </a:p>
+                  </a:txBody>
+                  <a:tcPr/>
+                </a:tc>
+                <a:tc>
+                  <a:txBody>
+                    <a:bodyPr/>
+                    <a:lstStyle/>
+                    <a:p>
+                      <a:pPr algn="ctr"/>
+                      <a:r>
+                        <a:rPr lang="fr-FR" sz="1000" dirty="0"/>
+                        <a:t>3</a:t>
+                      </a:r>
+                    </a:p>
+                  </a:txBody>
+                  <a:tcPr/>
+                </a:tc>
+                <a:tc>
+                  <a:txBody>
+                    <a:bodyPr/>
+                    <a:lstStyle/>
+                    <a:p>
+                      <a:pPr algn="ctr"/>
+                      <a:r>
+                        <a:rPr lang="fr-FR" sz="1000" dirty="0"/>
+                        <a:t>3</a:t>
+                      </a:r>
+                    </a:p>
+                  </a:txBody>
+                  <a:tcPr/>
+                </a:tc>
+                <a:extLst>
+                  <a:ext uri="{0D108BD9-81ED-4DB2-BD59-A6C34878D82A}">
+                    <a16:rowId xmlns:a16="http://schemas.microsoft.com/office/drawing/2014/main" val="1497413215"/>
+                  </a:ext>
+                </a:extLst>
+              </a:tr>
+            </a:tbl>
+          </a:graphicData>
+        </a:graphic>
+      </p:graphicFrame>
+      <p:graphicFrame>
+        <p:nvGraphicFramePr>
+          <p:cNvPr id="13" name="Tableau 12">
+            <a:extLst>
+              <a:ext uri="{FF2B5EF4-FFF2-40B4-BE49-F238E27FC236}">
+                <a16:creationId xmlns:a16="http://schemas.microsoft.com/office/drawing/2014/main" id="{2FA11E88-DCF9-4734-9254-E06E2715D2C7}"/>
+              </a:ext>
+            </a:extLst>
+          </p:cNvPr>
+          <p:cNvGraphicFramePr>
+            <a:graphicFrameLocks noGrp="1"/>
+          </p:cNvGraphicFramePr>
+          <p:nvPr>
+            <p:extLst>
+              <p:ext uri="{D42A27DB-BD31-4B8C-83A1-F6EECF244321}">
+                <p14:modId xmlns:p14="http://schemas.microsoft.com/office/powerpoint/2010/main" val="2828004529"/>
+              </p:ext>
+            </p:extLst>
+          </p:nvPr>
+        </p:nvGraphicFramePr>
+        <p:xfrm>
+          <a:off x="3690157" y="2134937"/>
+          <a:ext cx="3159759" cy="1338035"/>
+        </p:xfrm>
+        <a:graphic>
+          <a:graphicData uri="http://schemas.openxmlformats.org/drawingml/2006/table">
+            <a:tbl>
+              <a:tblPr firstRow="1" bandRow="1">
+                <a:tableStyleId>{5C22544A-7EE6-4342-B048-85BDC9FD1C3A}</a:tableStyleId>
+              </a:tblPr>
+              <a:tblGrid>
+                <a:gridCol w="1053253">
+                  <a:extLst>
+                    <a:ext uri="{9D8B030D-6E8A-4147-A177-3AD203B41FA5}">
+                      <a16:colId xmlns:a16="http://schemas.microsoft.com/office/drawing/2014/main" val="1713026572"/>
+                    </a:ext>
+                  </a:extLst>
+                </a:gridCol>
+                <a:gridCol w="1053253">
+                  <a:extLst>
+                    <a:ext uri="{9D8B030D-6E8A-4147-A177-3AD203B41FA5}">
+                      <a16:colId xmlns:a16="http://schemas.microsoft.com/office/drawing/2014/main" val="783736719"/>
+                    </a:ext>
+                  </a:extLst>
+                </a:gridCol>
+                <a:gridCol w="1053253">
+                  <a:extLst>
+                    <a:ext uri="{9D8B030D-6E8A-4147-A177-3AD203B41FA5}">
+                      <a16:colId xmlns:a16="http://schemas.microsoft.com/office/drawing/2014/main" val="1498577565"/>
+                    </a:ext>
+                  </a:extLst>
+                </a:gridCol>
+              </a:tblGrid>
+              <a:tr h="267607">
+                <a:tc>
+                  <a:txBody>
+                    <a:bodyPr/>
+                    <a:lstStyle/>
+                    <a:p>
+                      <a:pPr algn="ctr"/>
+                      <a:endParaRPr lang="fr-FR" sz="1000" b="1" dirty="0"/>
+                    </a:p>
+                  </a:txBody>
+                  <a:tcPr anchor="ctr"/>
+                </a:tc>
+                <a:tc>
+                  <a:txBody>
+                    <a:bodyPr/>
+                    <a:lstStyle/>
+                    <a:p>
+                      <a:pPr algn="ctr"/>
+                      <a:r>
+                        <a:rPr lang="fr-FR" sz="1000" dirty="0"/>
+                        <a:t>Cinématique</a:t>
+                      </a:r>
+                    </a:p>
+                  </a:txBody>
+                  <a:tcPr anchor="ctr"/>
+                </a:tc>
+                <a:tc>
+                  <a:txBody>
+                    <a:bodyPr/>
+                    <a:lstStyle/>
+                    <a:p>
+                      <a:pPr algn="ctr"/>
+                      <a:r>
+                        <a:rPr lang="fr-FR" sz="1000" dirty="0"/>
+                        <a:t>Statique</a:t>
+                      </a:r>
+                    </a:p>
+                  </a:txBody>
+                  <a:tcPr anchor="ctr"/>
+                </a:tc>
+                <a:extLst>
+                  <a:ext uri="{0D108BD9-81ED-4DB2-BD59-A6C34878D82A}">
+                    <a16:rowId xmlns:a16="http://schemas.microsoft.com/office/drawing/2014/main" val="3125524390"/>
+                  </a:ext>
+                </a:extLst>
+              </a:tr>
+              <a:tr h="267607">
+                <a:tc>
+                  <a:txBody>
+                    <a:bodyPr/>
+                    <a:lstStyle/>
+                    <a:p>
+                      <a:r>
+                        <a:rPr lang="fr-FR" sz="1000" b="1" dirty="0"/>
+                        <a:t>Mobilités</a:t>
+                      </a:r>
+                    </a:p>
+                  </a:txBody>
+                  <a:tcPr/>
+                </a:tc>
+                <a:tc>
+                  <a:txBody>
+                    <a:bodyPr/>
+                    <a:lstStyle/>
+                    <a:p>
+                      <a:pPr algn="ctr"/>
+                      <a:r>
+                        <a:rPr lang="fr-FR" sz="1000" dirty="0"/>
+                        <a:t>1</a:t>
+                      </a:r>
+                    </a:p>
+                  </a:txBody>
+                  <a:tcPr/>
+                </a:tc>
+                <a:tc>
+                  <a:txBody>
+                    <a:bodyPr/>
+                    <a:lstStyle/>
+                    <a:p>
+                      <a:pPr algn="ctr"/>
+                      <a:r>
+                        <a:rPr lang="fr-FR" sz="1000" dirty="0"/>
+                        <a:t>1</a:t>
+                      </a:r>
+                    </a:p>
+                  </a:txBody>
+                  <a:tcPr/>
+                </a:tc>
+                <a:extLst>
+                  <a:ext uri="{0D108BD9-81ED-4DB2-BD59-A6C34878D82A}">
+                    <a16:rowId xmlns:a16="http://schemas.microsoft.com/office/drawing/2014/main" val="3552222941"/>
+                  </a:ext>
+                </a:extLst>
+              </a:tr>
+              <a:tr h="267607">
+                <a:tc>
+                  <a:txBody>
+                    <a:bodyPr/>
+                    <a:lstStyle/>
+                    <a:p>
+                      <a:r>
+                        <a:rPr lang="fr-FR" sz="1000" b="1" dirty="0"/>
+                        <a:t>Nb Equations</a:t>
+                      </a:r>
+                    </a:p>
+                  </a:txBody>
+                  <a:tcPr/>
+                </a:tc>
+                <a:tc>
+                  <a:txBody>
+                    <a:bodyPr/>
+                    <a:lstStyle/>
+                    <a:p>
+                      <a:pPr algn="ctr"/>
+                      <a:r>
+                        <a:rPr lang="fr-FR" sz="1000" dirty="0"/>
+                        <a:t>6</a:t>
+                      </a:r>
+                    </a:p>
+                  </a:txBody>
+                  <a:tcPr/>
+                </a:tc>
+                <a:tc>
+                  <a:txBody>
+                    <a:bodyPr/>
+                    <a:lstStyle/>
+                    <a:p>
+                      <a:pPr algn="ctr"/>
+                      <a:r>
+                        <a:rPr lang="fr-FR" sz="1000" dirty="0"/>
+                        <a:t>6</a:t>
+                      </a:r>
+                    </a:p>
+                  </a:txBody>
+                  <a:tcPr/>
+                </a:tc>
+                <a:extLst>
+                  <a:ext uri="{0D108BD9-81ED-4DB2-BD59-A6C34878D82A}">
+                    <a16:rowId xmlns:a16="http://schemas.microsoft.com/office/drawing/2014/main" val="2246487064"/>
+                  </a:ext>
+                </a:extLst>
+              </a:tr>
+              <a:tr h="267607">
+                <a:tc>
+                  <a:txBody>
+                    <a:bodyPr/>
+                    <a:lstStyle/>
+                    <a:p>
+                      <a:r>
+                        <a:rPr lang="fr-FR" sz="1000" b="1" dirty="0"/>
+                        <a:t>Nb Inconnues</a:t>
+                      </a:r>
+                    </a:p>
+                  </a:txBody>
+                  <a:tcPr/>
+                </a:tc>
+                <a:tc>
+                  <a:txBody>
+                    <a:bodyPr/>
+                    <a:lstStyle/>
+                    <a:p>
+                      <a:pPr algn="ctr"/>
+                      <a:r>
+                        <a:rPr lang="fr-FR" sz="1000" dirty="0"/>
+                        <a:t>2+4</a:t>
+                      </a:r>
+                    </a:p>
+                  </a:txBody>
+                  <a:tcPr/>
+                </a:tc>
+                <a:tc>
+                  <a:txBody>
+                    <a:bodyPr/>
+                    <a:lstStyle/>
+                    <a:p>
+                      <a:pPr algn="ctr"/>
+                      <a:r>
+                        <a:rPr lang="fr-FR" sz="1000" dirty="0"/>
+                        <a:t>5+2</a:t>
+                      </a:r>
+                    </a:p>
+                  </a:txBody>
+                  <a:tcPr/>
+                </a:tc>
+                <a:extLst>
+                  <a:ext uri="{0D108BD9-81ED-4DB2-BD59-A6C34878D82A}">
+                    <a16:rowId xmlns:a16="http://schemas.microsoft.com/office/drawing/2014/main" val="147716638"/>
+                  </a:ext>
+                </a:extLst>
+              </a:tr>
+              <a:tr h="267607">
+                <a:tc>
+                  <a:txBody>
+                    <a:bodyPr/>
+                    <a:lstStyle/>
+                    <a:p>
+                      <a:r>
+                        <a:rPr lang="fr-FR" sz="1000" b="1" dirty="0"/>
+                        <a:t>Hyperstatisme</a:t>
+                      </a:r>
+                    </a:p>
+                  </a:txBody>
+                  <a:tcPr/>
+                </a:tc>
+                <a:tc>
+                  <a:txBody>
+                    <a:bodyPr/>
+                    <a:lstStyle/>
+                    <a:p>
+                      <a:pPr algn="ctr"/>
+                      <a:r>
+                        <a:rPr lang="fr-FR" sz="1000"/>
+                        <a:t>1</a:t>
+                      </a:r>
+                      <a:endParaRPr lang="fr-FR" sz="1000" dirty="0"/>
+                    </a:p>
+                  </a:txBody>
+                  <a:tcPr/>
+                </a:tc>
+                <a:tc>
+                  <a:txBody>
+                    <a:bodyPr/>
+                    <a:lstStyle/>
+                    <a:p>
+                      <a:pPr algn="ctr"/>
+                      <a:endParaRPr lang="fr-FR" sz="1000" dirty="0"/>
+                    </a:p>
+                  </a:txBody>
+                  <a:tcPr/>
+                </a:tc>
+                <a:extLst>
+                  <a:ext uri="{0D108BD9-81ED-4DB2-BD59-A6C34878D82A}">
+                    <a16:rowId xmlns:a16="http://schemas.microsoft.com/office/drawing/2014/main" val="1497413215"/>
+                  </a:ext>
+                </a:extLst>
+              </a:tr>
+            </a:tbl>
+          </a:graphicData>
+        </a:graphic>
+      </p:graphicFrame>
+      <p:graphicFrame>
+        <p:nvGraphicFramePr>
+          <p:cNvPr id="14" name="Tableau 13">
+            <a:extLst>
+              <a:ext uri="{FF2B5EF4-FFF2-40B4-BE49-F238E27FC236}">
+                <a16:creationId xmlns:a16="http://schemas.microsoft.com/office/drawing/2014/main" id="{E7CF093A-EE87-43DB-9C71-0A91F3899AAE}"/>
+              </a:ext>
+            </a:extLst>
+          </p:cNvPr>
+          <p:cNvGraphicFramePr>
+            <a:graphicFrameLocks noGrp="1"/>
+          </p:cNvGraphicFramePr>
+          <p:nvPr>
+            <p:extLst>
+              <p:ext uri="{D42A27DB-BD31-4B8C-83A1-F6EECF244321}">
+                <p14:modId xmlns:p14="http://schemas.microsoft.com/office/powerpoint/2010/main" val="776739789"/>
+              </p:ext>
+            </p:extLst>
+          </p:nvPr>
+        </p:nvGraphicFramePr>
+        <p:xfrm>
+          <a:off x="7158" y="5943070"/>
+          <a:ext cx="3159759" cy="1338035"/>
+        </p:xfrm>
+        <a:graphic>
+          <a:graphicData uri="http://schemas.openxmlformats.org/drawingml/2006/table">
+            <a:tbl>
+              <a:tblPr firstRow="1" bandRow="1">
+                <a:tableStyleId>{5C22544A-7EE6-4342-B048-85BDC9FD1C3A}</a:tableStyleId>
+              </a:tblPr>
+              <a:tblGrid>
+                <a:gridCol w="1053253">
+                  <a:extLst>
+                    <a:ext uri="{9D8B030D-6E8A-4147-A177-3AD203B41FA5}">
+                      <a16:colId xmlns:a16="http://schemas.microsoft.com/office/drawing/2014/main" val="1713026572"/>
+                    </a:ext>
+                  </a:extLst>
+                </a:gridCol>
+                <a:gridCol w="1053253">
+                  <a:extLst>
+                    <a:ext uri="{9D8B030D-6E8A-4147-A177-3AD203B41FA5}">
+                      <a16:colId xmlns:a16="http://schemas.microsoft.com/office/drawing/2014/main" val="783736719"/>
+                    </a:ext>
+                  </a:extLst>
+                </a:gridCol>
+                <a:gridCol w="1053253">
+                  <a:extLst>
+                    <a:ext uri="{9D8B030D-6E8A-4147-A177-3AD203B41FA5}">
+                      <a16:colId xmlns:a16="http://schemas.microsoft.com/office/drawing/2014/main" val="1498577565"/>
+                    </a:ext>
+                  </a:extLst>
+                </a:gridCol>
+              </a:tblGrid>
+              <a:tr h="267607">
+                <a:tc>
+                  <a:txBody>
+                    <a:bodyPr/>
+                    <a:lstStyle/>
+                    <a:p>
+                      <a:pPr algn="ctr"/>
+                      <a:endParaRPr lang="fr-FR" sz="1000" b="1" dirty="0"/>
+                    </a:p>
+                  </a:txBody>
+                  <a:tcPr anchor="ctr"/>
+                </a:tc>
+                <a:tc>
+                  <a:txBody>
+                    <a:bodyPr/>
+                    <a:lstStyle/>
+                    <a:p>
+                      <a:pPr algn="ctr"/>
+                      <a:r>
+                        <a:rPr lang="fr-FR" sz="1000" dirty="0"/>
+                        <a:t>Cinématique</a:t>
+                      </a:r>
+                    </a:p>
+                  </a:txBody>
+                  <a:tcPr anchor="ctr"/>
+                </a:tc>
+                <a:tc>
+                  <a:txBody>
+                    <a:bodyPr/>
+                    <a:lstStyle/>
+                    <a:p>
+                      <a:pPr algn="ctr"/>
+                      <a:r>
+                        <a:rPr lang="fr-FR" sz="1000" dirty="0"/>
+                        <a:t>Statique</a:t>
+                      </a:r>
+                    </a:p>
+                  </a:txBody>
+                  <a:tcPr anchor="ctr"/>
+                </a:tc>
+                <a:extLst>
+                  <a:ext uri="{0D108BD9-81ED-4DB2-BD59-A6C34878D82A}">
+                    <a16:rowId xmlns:a16="http://schemas.microsoft.com/office/drawing/2014/main" val="3125524390"/>
+                  </a:ext>
+                </a:extLst>
+              </a:tr>
+              <a:tr h="267607">
+                <a:tc>
+                  <a:txBody>
+                    <a:bodyPr/>
+                    <a:lstStyle/>
+                    <a:p>
+                      <a:r>
+                        <a:rPr lang="fr-FR" sz="1000" b="1" dirty="0"/>
+                        <a:t>Mobilités</a:t>
+                      </a:r>
+                    </a:p>
+                  </a:txBody>
+                  <a:tcPr/>
+                </a:tc>
+                <a:tc>
+                  <a:txBody>
+                    <a:bodyPr/>
+                    <a:lstStyle/>
+                    <a:p>
+                      <a:pPr algn="ctr"/>
+                      <a:r>
+                        <a:rPr lang="fr-FR" sz="1000" dirty="0"/>
+                        <a:t>1</a:t>
+                      </a:r>
+                    </a:p>
+                  </a:txBody>
+                  <a:tcPr/>
+                </a:tc>
+                <a:tc>
+                  <a:txBody>
+                    <a:bodyPr/>
+                    <a:lstStyle/>
+                    <a:p>
+                      <a:pPr algn="ctr"/>
+                      <a:r>
+                        <a:rPr lang="fr-FR" sz="1000" dirty="0"/>
+                        <a:t>1</a:t>
+                      </a:r>
+                    </a:p>
+                  </a:txBody>
+                  <a:tcPr/>
+                </a:tc>
+                <a:extLst>
+                  <a:ext uri="{0D108BD9-81ED-4DB2-BD59-A6C34878D82A}">
+                    <a16:rowId xmlns:a16="http://schemas.microsoft.com/office/drawing/2014/main" val="3552222941"/>
+                  </a:ext>
+                </a:extLst>
+              </a:tr>
+              <a:tr h="267607">
+                <a:tc>
+                  <a:txBody>
+                    <a:bodyPr/>
+                    <a:lstStyle/>
+                    <a:p>
+                      <a:r>
+                        <a:rPr lang="fr-FR" sz="1000" b="1" dirty="0"/>
+                        <a:t>Nb Equations</a:t>
+                      </a:r>
+                    </a:p>
+                  </a:txBody>
+                  <a:tcPr/>
+                </a:tc>
+                <a:tc>
+                  <a:txBody>
+                    <a:bodyPr/>
+                    <a:lstStyle/>
+                    <a:p>
+                      <a:pPr algn="ctr"/>
+                      <a:r>
+                        <a:rPr lang="fr-FR" sz="1000" dirty="0"/>
+                        <a:t>6</a:t>
+                      </a:r>
+                    </a:p>
+                  </a:txBody>
+                  <a:tcPr/>
+                </a:tc>
+                <a:tc>
+                  <a:txBody>
+                    <a:bodyPr/>
+                    <a:lstStyle/>
+                    <a:p>
+                      <a:pPr algn="ctr"/>
+                      <a:r>
+                        <a:rPr lang="fr-FR" sz="1000" dirty="0"/>
+                        <a:t>6</a:t>
+                      </a:r>
+                    </a:p>
+                  </a:txBody>
+                  <a:tcPr/>
+                </a:tc>
+                <a:extLst>
+                  <a:ext uri="{0D108BD9-81ED-4DB2-BD59-A6C34878D82A}">
+                    <a16:rowId xmlns:a16="http://schemas.microsoft.com/office/drawing/2014/main" val="2246487064"/>
+                  </a:ext>
+                </a:extLst>
+              </a:tr>
+              <a:tr h="267607">
+                <a:tc>
+                  <a:txBody>
+                    <a:bodyPr/>
+                    <a:lstStyle/>
+                    <a:p>
+                      <a:r>
+                        <a:rPr lang="fr-FR" sz="1000" b="1" dirty="0"/>
+                        <a:t>Nb Inconnues</a:t>
+                      </a:r>
+                    </a:p>
+                  </a:txBody>
+                  <a:tcPr/>
+                </a:tc>
+                <a:tc>
+                  <a:txBody>
+                    <a:bodyPr/>
+                    <a:lstStyle/>
+                    <a:p>
+                      <a:pPr algn="ctr"/>
+                      <a:r>
+                        <a:rPr lang="fr-FR" sz="1000" dirty="0"/>
+                        <a:t>1+4</a:t>
+                      </a:r>
+                    </a:p>
+                  </a:txBody>
+                  <a:tcPr/>
+                </a:tc>
+                <a:tc>
+                  <a:txBody>
+                    <a:bodyPr/>
+                    <a:lstStyle/>
+                    <a:p>
+                      <a:pPr algn="ctr"/>
+                      <a:r>
+                        <a:rPr lang="fr-FR" sz="1000" dirty="0"/>
+                        <a:t>5+2</a:t>
+                      </a:r>
+                    </a:p>
+                  </a:txBody>
+                  <a:tcPr/>
+                </a:tc>
+                <a:extLst>
+                  <a:ext uri="{0D108BD9-81ED-4DB2-BD59-A6C34878D82A}">
+                    <a16:rowId xmlns:a16="http://schemas.microsoft.com/office/drawing/2014/main" val="147716638"/>
+                  </a:ext>
+                </a:extLst>
+              </a:tr>
+              <a:tr h="267607">
+                <a:tc>
+                  <a:txBody>
+                    <a:bodyPr/>
+                    <a:lstStyle/>
+                    <a:p>
+                      <a:r>
+                        <a:rPr lang="fr-FR" sz="1000" b="1" dirty="0"/>
+                        <a:t>Hyperstatisme</a:t>
+                      </a:r>
+                    </a:p>
+                  </a:txBody>
+                  <a:tcPr/>
+                </a:tc>
+                <a:tc>
+                  <a:txBody>
+                    <a:bodyPr/>
+                    <a:lstStyle/>
+                    <a:p>
+                      <a:pPr algn="ctr"/>
+                      <a:r>
+                        <a:rPr lang="fr-FR" sz="1000" dirty="0"/>
+                        <a:t>5</a:t>
+                      </a:r>
+                    </a:p>
+                  </a:txBody>
+                  <a:tcPr/>
+                </a:tc>
+                <a:tc>
+                  <a:txBody>
+                    <a:bodyPr/>
+                    <a:lstStyle/>
+                    <a:p>
+                      <a:pPr algn="ctr"/>
+                      <a:r>
+                        <a:rPr lang="fr-FR" sz="1000" dirty="0"/>
+                        <a:t>5</a:t>
+                      </a:r>
+                    </a:p>
+                  </a:txBody>
+                  <a:tcPr/>
+                </a:tc>
+                <a:extLst>
+                  <a:ext uri="{0D108BD9-81ED-4DB2-BD59-A6C34878D82A}">
+                    <a16:rowId xmlns:a16="http://schemas.microsoft.com/office/drawing/2014/main" val="1497413215"/>
+                  </a:ext>
+                </a:extLst>
+              </a:tr>
+            </a:tbl>
+          </a:graphicData>
+        </a:graphic>
+      </p:graphicFrame>
+      <p:graphicFrame>
+        <p:nvGraphicFramePr>
+          <p:cNvPr id="15" name="Tableau 14">
+            <a:extLst>
+              <a:ext uri="{FF2B5EF4-FFF2-40B4-BE49-F238E27FC236}">
+                <a16:creationId xmlns:a16="http://schemas.microsoft.com/office/drawing/2014/main" id="{BC5AA52C-1645-450A-9140-804B31F19537}"/>
+              </a:ext>
+            </a:extLst>
+          </p:cNvPr>
+          <p:cNvGraphicFramePr>
+            <a:graphicFrameLocks noGrp="1"/>
+          </p:cNvGraphicFramePr>
+          <p:nvPr>
+            <p:extLst>
+              <p:ext uri="{D42A27DB-BD31-4B8C-83A1-F6EECF244321}">
+                <p14:modId xmlns:p14="http://schemas.microsoft.com/office/powerpoint/2010/main" val="3252070399"/>
+              </p:ext>
+            </p:extLst>
+          </p:nvPr>
+        </p:nvGraphicFramePr>
+        <p:xfrm>
+          <a:off x="3697315" y="5943069"/>
+          <a:ext cx="3159759" cy="1338035"/>
+        </p:xfrm>
+        <a:graphic>
+          <a:graphicData uri="http://schemas.openxmlformats.org/drawingml/2006/table">
+            <a:tbl>
+              <a:tblPr firstRow="1" bandRow="1">
+                <a:tableStyleId>{5C22544A-7EE6-4342-B048-85BDC9FD1C3A}</a:tableStyleId>
+              </a:tblPr>
+              <a:tblGrid>
+                <a:gridCol w="1053253">
+                  <a:extLst>
+                    <a:ext uri="{9D8B030D-6E8A-4147-A177-3AD203B41FA5}">
+                      <a16:colId xmlns:a16="http://schemas.microsoft.com/office/drawing/2014/main" val="1713026572"/>
+                    </a:ext>
+                  </a:extLst>
+                </a:gridCol>
+                <a:gridCol w="1053253">
+                  <a:extLst>
+                    <a:ext uri="{9D8B030D-6E8A-4147-A177-3AD203B41FA5}">
+                      <a16:colId xmlns:a16="http://schemas.microsoft.com/office/drawing/2014/main" val="783736719"/>
+                    </a:ext>
+                  </a:extLst>
+                </a:gridCol>
+                <a:gridCol w="1053253">
+                  <a:extLst>
+                    <a:ext uri="{9D8B030D-6E8A-4147-A177-3AD203B41FA5}">
+                      <a16:colId xmlns:a16="http://schemas.microsoft.com/office/drawing/2014/main" val="1498577565"/>
+                    </a:ext>
+                  </a:extLst>
+                </a:gridCol>
+              </a:tblGrid>
+              <a:tr h="267607">
+                <a:tc>
+                  <a:txBody>
+                    <a:bodyPr/>
+                    <a:lstStyle/>
+                    <a:p>
+                      <a:pPr algn="ctr"/>
+                      <a:endParaRPr lang="fr-FR" sz="1000" b="1" dirty="0"/>
+                    </a:p>
+                  </a:txBody>
+                  <a:tcPr anchor="ctr"/>
+                </a:tc>
+                <a:tc>
+                  <a:txBody>
+                    <a:bodyPr/>
+                    <a:lstStyle/>
+                    <a:p>
+                      <a:pPr algn="ctr"/>
+                      <a:r>
+                        <a:rPr lang="fr-FR" sz="1000" dirty="0"/>
+                        <a:t>Cinématique</a:t>
+                      </a:r>
+                    </a:p>
+                  </a:txBody>
+                  <a:tcPr anchor="ctr"/>
+                </a:tc>
+                <a:tc>
+                  <a:txBody>
+                    <a:bodyPr/>
+                    <a:lstStyle/>
+                    <a:p>
+                      <a:pPr algn="ctr"/>
+                      <a:r>
+                        <a:rPr lang="fr-FR" sz="1000" dirty="0"/>
+                        <a:t>Statique</a:t>
+                      </a:r>
+                    </a:p>
+                  </a:txBody>
+                  <a:tcPr anchor="ctr"/>
+                </a:tc>
+                <a:extLst>
+                  <a:ext uri="{0D108BD9-81ED-4DB2-BD59-A6C34878D82A}">
+                    <a16:rowId xmlns:a16="http://schemas.microsoft.com/office/drawing/2014/main" val="3125524390"/>
+                  </a:ext>
+                </a:extLst>
+              </a:tr>
+              <a:tr h="267607">
+                <a:tc>
+                  <a:txBody>
+                    <a:bodyPr/>
+                    <a:lstStyle/>
+                    <a:p>
+                      <a:r>
+                        <a:rPr lang="fr-FR" sz="1000" b="1" dirty="0"/>
+                        <a:t>Mobilités</a:t>
+                      </a:r>
+                    </a:p>
+                  </a:txBody>
+                  <a:tcPr/>
+                </a:tc>
+                <a:tc>
+                  <a:txBody>
+                    <a:bodyPr/>
+                    <a:lstStyle/>
+                    <a:p>
+                      <a:pPr algn="ctr"/>
+                      <a:r>
+                        <a:rPr lang="fr-FR" sz="1000" dirty="0"/>
+                        <a:t>1</a:t>
+                      </a:r>
+                    </a:p>
+                  </a:txBody>
+                  <a:tcPr/>
+                </a:tc>
+                <a:tc>
+                  <a:txBody>
+                    <a:bodyPr/>
+                    <a:lstStyle/>
+                    <a:p>
+                      <a:pPr algn="ctr"/>
+                      <a:r>
+                        <a:rPr lang="fr-FR" sz="1000" dirty="0"/>
+                        <a:t>1</a:t>
+                      </a:r>
+                    </a:p>
+                  </a:txBody>
+                  <a:tcPr/>
+                </a:tc>
+                <a:extLst>
+                  <a:ext uri="{0D108BD9-81ED-4DB2-BD59-A6C34878D82A}">
+                    <a16:rowId xmlns:a16="http://schemas.microsoft.com/office/drawing/2014/main" val="3552222941"/>
+                  </a:ext>
+                </a:extLst>
+              </a:tr>
+              <a:tr h="267607">
+                <a:tc>
+                  <a:txBody>
+                    <a:bodyPr/>
+                    <a:lstStyle/>
+                    <a:p>
+                      <a:r>
+                        <a:rPr lang="fr-FR" sz="1000" b="1" dirty="0"/>
+                        <a:t>Nb Equations</a:t>
+                      </a:r>
+                    </a:p>
+                  </a:txBody>
+                  <a:tcPr/>
+                </a:tc>
+                <a:tc>
+                  <a:txBody>
+                    <a:bodyPr/>
+                    <a:lstStyle/>
+                    <a:p>
+                      <a:pPr algn="ctr"/>
+                      <a:r>
+                        <a:rPr lang="fr-FR" sz="1000" dirty="0"/>
+                        <a:t>6</a:t>
+                      </a:r>
+                    </a:p>
+                  </a:txBody>
+                  <a:tcPr/>
+                </a:tc>
+                <a:tc>
+                  <a:txBody>
+                    <a:bodyPr/>
+                    <a:lstStyle/>
+                    <a:p>
+                      <a:pPr algn="ctr"/>
+                      <a:r>
+                        <a:rPr lang="fr-FR" sz="1000" dirty="0"/>
+                        <a:t>6</a:t>
+                      </a:r>
+                    </a:p>
+                  </a:txBody>
+                  <a:tcPr/>
+                </a:tc>
+                <a:extLst>
+                  <a:ext uri="{0D108BD9-81ED-4DB2-BD59-A6C34878D82A}">
+                    <a16:rowId xmlns:a16="http://schemas.microsoft.com/office/drawing/2014/main" val="2246487064"/>
+                  </a:ext>
+                </a:extLst>
+              </a:tr>
+              <a:tr h="267607">
+                <a:tc>
+                  <a:txBody>
+                    <a:bodyPr/>
+                    <a:lstStyle/>
+                    <a:p>
+                      <a:r>
+                        <a:rPr lang="fr-FR" sz="1000" b="1" dirty="0"/>
+                        <a:t>Nb Inconnues</a:t>
+                      </a:r>
+                    </a:p>
+                  </a:txBody>
+                  <a:tcPr/>
+                </a:tc>
+                <a:tc>
+                  <a:txBody>
+                    <a:bodyPr/>
+                    <a:lstStyle/>
+                    <a:p>
+                      <a:pPr algn="ctr"/>
+                      <a:r>
+                        <a:rPr lang="fr-FR" sz="1000" dirty="0"/>
+                        <a:t>1+1</a:t>
+                      </a:r>
+                    </a:p>
+                  </a:txBody>
+                  <a:tcPr/>
+                </a:tc>
+                <a:tc>
+                  <a:txBody>
+                    <a:bodyPr/>
+                    <a:lstStyle/>
+                    <a:p>
+                      <a:pPr algn="ctr"/>
+                      <a:r>
+                        <a:rPr lang="fr-FR" sz="1000" dirty="0"/>
+                        <a:t>5+5</a:t>
+                      </a:r>
+                    </a:p>
+                  </a:txBody>
+                  <a:tcPr/>
+                </a:tc>
+                <a:extLst>
+                  <a:ext uri="{0D108BD9-81ED-4DB2-BD59-A6C34878D82A}">
+                    <a16:rowId xmlns:a16="http://schemas.microsoft.com/office/drawing/2014/main" val="147716638"/>
+                  </a:ext>
+                </a:extLst>
+              </a:tr>
+              <a:tr h="267607">
+                <a:tc>
+                  <a:txBody>
+                    <a:bodyPr/>
+                    <a:lstStyle/>
+                    <a:p>
+                      <a:r>
+                        <a:rPr lang="fr-FR" sz="1000" b="1" dirty="0"/>
+                        <a:t>Hyperstatisme</a:t>
+                      </a:r>
+                    </a:p>
+                  </a:txBody>
+                  <a:tcPr/>
+                </a:tc>
+                <a:tc>
+                  <a:txBody>
+                    <a:bodyPr/>
+                    <a:lstStyle/>
+                    <a:p>
+                      <a:pPr algn="ctr"/>
+                      <a:r>
+                        <a:rPr lang="fr-FR" sz="1000" dirty="0"/>
+                        <a:t>5</a:t>
+                      </a:r>
+                    </a:p>
+                  </a:txBody>
+                  <a:tcPr/>
+                </a:tc>
+                <a:tc>
+                  <a:txBody>
+                    <a:bodyPr/>
+                    <a:lstStyle/>
+                    <a:p>
+                      <a:pPr algn="ctr"/>
+                      <a:r>
+                        <a:rPr lang="fr-FR" sz="1000" dirty="0"/>
+                        <a:t>5</a:t>
+                      </a:r>
+                    </a:p>
+                  </a:txBody>
+                  <a:tcPr/>
+                </a:tc>
+                <a:extLst>
+                  <a:ext uri="{0D108BD9-81ED-4DB2-BD59-A6C34878D82A}">
+                    <a16:rowId xmlns:a16="http://schemas.microsoft.com/office/drawing/2014/main" val="1497413215"/>
+                  </a:ext>
+                </a:extLst>
+              </a:tr>
+            </a:tbl>
+          </a:graphicData>
+        </a:graphic>
+      </p:graphicFrame>
+    </p:spTree>
+    <p:extLst>
+      <p:ext uri="{BB962C8B-B14F-4D97-AF65-F5344CB8AC3E}">
+        <p14:creationId xmlns:p14="http://schemas.microsoft.com/office/powerpoint/2010/main" val="3193588960"/>
       </p:ext>
     </p:extLst>
   </p:cSld>
